--- a/files/microbit/04-Accelerometer.pptx
+++ b/files/microbit/04-Accelerometer.pptx
@@ -3816,6 +3816,7 @@
                 <a:solidFill>
                   <a:schemeClr val="lt1"/>
                 </a:solidFill>
+                <a:latin typeface="Atkinson Hyperlegible" pitchFamily="2" charset="0"/>
               </a:rPr>
               <a:t>Lesson 4</a:t>
             </a:r>
@@ -3867,6 +3868,7 @@
                 <a:solidFill>
                   <a:schemeClr val="lt1"/>
                 </a:solidFill>
+                <a:latin typeface="Atkinson Hyperlegible" pitchFamily="2" charset="0"/>
               </a:rPr>
               <a:t>Accelerometer</a:t>
             </a:r>
@@ -3918,9 +3920,7 @@
               <a:solidFill>
                 <a:srgbClr val="000000"/>
               </a:solidFill>
-              <a:latin typeface="Arial"/>
-              <a:ea typeface="Arial"/>
-              <a:cs typeface="Arial"/>
+              <a:latin typeface="Atkinson Hyperlegible" pitchFamily="2" charset="0"/>
               <a:sym typeface="Arial"/>
             </a:endParaRPr>
           </a:p>
@@ -4049,6 +4049,250 @@
           </a:extLst>
         </p:spPr>
       </p:pic>
+      <p:sp>
+        <p:nvSpPr>
+          <p:cNvPr id="2" name="Shape 94">
+            <a:extLst>
+              <a:ext uri="{FF2B5EF4-FFF2-40B4-BE49-F238E27FC236}">
+                <a16:creationId xmlns:a16="http://schemas.microsoft.com/office/drawing/2014/main" id="{8E54C113-589D-F680-D744-ED3501FD207C}"/>
+              </a:ext>
+            </a:extLst>
+          </p:cNvPr>
+          <p:cNvSpPr txBox="1">
+            <a:spLocks/>
+          </p:cNvSpPr>
+          <p:nvPr/>
+        </p:nvSpPr>
+        <p:spPr>
+          <a:xfrm>
+            <a:off x="175189" y="0"/>
+            <a:ext cx="8229600" cy="683699"/>
+          </a:xfrm>
+          <a:prstGeom prst="rect">
+            <a:avLst/>
+          </a:prstGeom>
+          <a:solidFill>
+            <a:srgbClr val="5CB343"/>
+          </a:solidFill>
+          <a:ln>
+            <a:noFill/>
+          </a:ln>
+        </p:spPr>
+        <p:txBody>
+          <a:bodyPr lIns="91425" tIns="91425" rIns="91425" bIns="91425" anchor="ctr" anchorCtr="0">
+            <a:noAutofit/>
+          </a:bodyPr>
+          <a:lstStyle>
+            <a:defPPr marR="0" lvl="0" algn="l" rtl="0">
+              <a:lnSpc>
+                <a:spcPct val="100000"/>
+              </a:lnSpc>
+              <a:spcBef>
+                <a:spcPts val="0"/>
+              </a:spcBef>
+              <a:spcAft>
+                <a:spcPts val="0"/>
+              </a:spcAft>
+            </a:defPPr>
+            <a:lvl1pPr marL="0" marR="0" lvl="0" indent="0" algn="l" rtl="0">
+              <a:lnSpc>
+                <a:spcPct val="100000"/>
+              </a:lnSpc>
+              <a:spcBef>
+                <a:spcPts val="0"/>
+              </a:spcBef>
+              <a:spcAft>
+                <a:spcPts val="0"/>
+              </a:spcAft>
+              <a:buClr>
+                <a:srgbClr val="FFFFFF"/>
+              </a:buClr>
+              <a:buSzPct val="100000"/>
+              <a:buFont typeface="Ubuntu"/>
+              <a:buNone/>
+              <a:defRPr sz="3000" b="1" i="0" u="none" strike="noStrike" cap="none">
+                <a:solidFill>
+                  <a:srgbClr val="FFFFFF"/>
+                </a:solidFill>
+                <a:latin typeface="Century Gothic" panose="020B0502020202020204" pitchFamily="34" charset="0"/>
+                <a:ea typeface="Century Gothic" panose="020B0502020202020204" pitchFamily="34" charset="0"/>
+                <a:cs typeface="Century Gothic" panose="020B0502020202020204" pitchFamily="34" charset="0"/>
+                <a:sym typeface="Ubuntu"/>
+                <a:rtl val="0"/>
+              </a:defRPr>
+            </a:lvl1pPr>
+            <a:lvl2pPr marL="0" marR="0" lvl="1" indent="0" algn="l" rtl="0">
+              <a:spcBef>
+                <a:spcPts val="0"/>
+              </a:spcBef>
+              <a:buClr>
+                <a:srgbClr val="FFFFFF"/>
+              </a:buClr>
+              <a:buSzPct val="100000"/>
+              <a:buFont typeface="Ubuntu"/>
+              <a:defRPr sz="3000" b="1">
+                <a:solidFill>
+                  <a:srgbClr val="FFFFFF"/>
+                </a:solidFill>
+                <a:latin typeface="Ubuntu"/>
+                <a:ea typeface="Ubuntu"/>
+                <a:cs typeface="Ubuntu"/>
+                <a:sym typeface="Ubuntu"/>
+              </a:defRPr>
+            </a:lvl2pPr>
+            <a:lvl3pPr marL="0" marR="0" lvl="2" indent="0" algn="l" rtl="0">
+              <a:spcBef>
+                <a:spcPts val="0"/>
+              </a:spcBef>
+              <a:buClr>
+                <a:srgbClr val="FFFFFF"/>
+              </a:buClr>
+              <a:buSzPct val="100000"/>
+              <a:buFont typeface="Ubuntu"/>
+              <a:defRPr sz="3000" b="1">
+                <a:solidFill>
+                  <a:srgbClr val="FFFFFF"/>
+                </a:solidFill>
+                <a:latin typeface="Ubuntu"/>
+                <a:ea typeface="Ubuntu"/>
+                <a:cs typeface="Ubuntu"/>
+                <a:sym typeface="Ubuntu"/>
+              </a:defRPr>
+            </a:lvl3pPr>
+            <a:lvl4pPr marL="0" marR="0" lvl="3" indent="0" algn="l" rtl="0">
+              <a:spcBef>
+                <a:spcPts val="0"/>
+              </a:spcBef>
+              <a:buClr>
+                <a:srgbClr val="FFFFFF"/>
+              </a:buClr>
+              <a:buSzPct val="100000"/>
+              <a:buFont typeface="Ubuntu"/>
+              <a:defRPr sz="3000" b="1">
+                <a:solidFill>
+                  <a:srgbClr val="FFFFFF"/>
+                </a:solidFill>
+                <a:latin typeface="Ubuntu"/>
+                <a:ea typeface="Ubuntu"/>
+                <a:cs typeface="Ubuntu"/>
+                <a:sym typeface="Ubuntu"/>
+              </a:defRPr>
+            </a:lvl4pPr>
+            <a:lvl5pPr marL="0" marR="0" lvl="4" indent="0" algn="l" rtl="0">
+              <a:spcBef>
+                <a:spcPts val="0"/>
+              </a:spcBef>
+              <a:buClr>
+                <a:srgbClr val="FFFFFF"/>
+              </a:buClr>
+              <a:buSzPct val="100000"/>
+              <a:buFont typeface="Ubuntu"/>
+              <a:defRPr sz="3000" b="1">
+                <a:solidFill>
+                  <a:srgbClr val="FFFFFF"/>
+                </a:solidFill>
+                <a:latin typeface="Ubuntu"/>
+                <a:ea typeface="Ubuntu"/>
+                <a:cs typeface="Ubuntu"/>
+                <a:sym typeface="Ubuntu"/>
+              </a:defRPr>
+            </a:lvl5pPr>
+            <a:lvl6pPr marL="0" marR="0" lvl="5" indent="0" algn="l" rtl="0">
+              <a:spcBef>
+                <a:spcPts val="0"/>
+              </a:spcBef>
+              <a:buClr>
+                <a:srgbClr val="FFFFFF"/>
+              </a:buClr>
+              <a:buSzPct val="100000"/>
+              <a:buFont typeface="Ubuntu"/>
+              <a:defRPr sz="3000" b="1">
+                <a:solidFill>
+                  <a:srgbClr val="FFFFFF"/>
+                </a:solidFill>
+                <a:latin typeface="Ubuntu"/>
+                <a:ea typeface="Ubuntu"/>
+                <a:cs typeface="Ubuntu"/>
+                <a:sym typeface="Ubuntu"/>
+              </a:defRPr>
+            </a:lvl6pPr>
+            <a:lvl7pPr marL="0" marR="0" lvl="6" indent="0" algn="l" rtl="0">
+              <a:spcBef>
+                <a:spcPts val="0"/>
+              </a:spcBef>
+              <a:buClr>
+                <a:srgbClr val="FFFFFF"/>
+              </a:buClr>
+              <a:buSzPct val="100000"/>
+              <a:buFont typeface="Ubuntu"/>
+              <a:defRPr sz="3000" b="1">
+                <a:solidFill>
+                  <a:srgbClr val="FFFFFF"/>
+                </a:solidFill>
+                <a:latin typeface="Ubuntu"/>
+                <a:ea typeface="Ubuntu"/>
+                <a:cs typeface="Ubuntu"/>
+                <a:sym typeface="Ubuntu"/>
+              </a:defRPr>
+            </a:lvl7pPr>
+            <a:lvl8pPr marL="0" marR="0" lvl="7" indent="0" algn="l" rtl="0">
+              <a:spcBef>
+                <a:spcPts val="0"/>
+              </a:spcBef>
+              <a:buClr>
+                <a:srgbClr val="FFFFFF"/>
+              </a:buClr>
+              <a:buSzPct val="100000"/>
+              <a:buFont typeface="Ubuntu"/>
+              <a:defRPr sz="3000" b="1">
+                <a:solidFill>
+                  <a:srgbClr val="FFFFFF"/>
+                </a:solidFill>
+                <a:latin typeface="Ubuntu"/>
+                <a:ea typeface="Ubuntu"/>
+                <a:cs typeface="Ubuntu"/>
+                <a:sym typeface="Ubuntu"/>
+              </a:defRPr>
+            </a:lvl8pPr>
+            <a:lvl9pPr marL="0" marR="0" lvl="8" indent="0" algn="l" rtl="0">
+              <a:spcBef>
+                <a:spcPts val="0"/>
+              </a:spcBef>
+              <a:buClr>
+                <a:srgbClr val="FFFFFF"/>
+              </a:buClr>
+              <a:buSzPct val="100000"/>
+              <a:buFont typeface="Ubuntu"/>
+              <a:defRPr sz="3000" b="1">
+                <a:solidFill>
+                  <a:srgbClr val="FFFFFF"/>
+                </a:solidFill>
+                <a:latin typeface="Ubuntu"/>
+                <a:ea typeface="Ubuntu"/>
+                <a:cs typeface="Ubuntu"/>
+                <a:sym typeface="Ubuntu"/>
+              </a:defRPr>
+            </a:lvl9pPr>
+          </a:lstStyle>
+          <a:p>
+            <a:r>
+              <a:rPr lang="en-GB" b="0" dirty="0">
+                <a:latin typeface="Atkinson Hyperlegible" pitchFamily="2" charset="0"/>
+              </a:rPr>
+              <a:t>BBC </a:t>
+            </a:r>
+            <a:r>
+              <a:rPr lang="en-GB" b="0" dirty="0" err="1">
+                <a:latin typeface="Atkinson Hyperlegible" pitchFamily="2" charset="0"/>
+              </a:rPr>
+              <a:t>Micro:bit</a:t>
+            </a:r>
+            <a:endParaRPr lang="en-GB" b="0" dirty="0">
+              <a:latin typeface="Atkinson Hyperlegible" pitchFamily="2" charset="0"/>
+            </a:endParaRPr>
+          </a:p>
+        </p:txBody>
+      </p:sp>
     </p:spTree>
   </p:cSld>
   <p:clrMapOvr>
@@ -4109,7 +4353,9 @@
               <a:buNone/>
             </a:pPr>
             <a:r>
-              <a:rPr lang="en-GB" dirty="0"/>
+              <a:rPr lang="en-GB" dirty="0">
+                <a:latin typeface="Atkinson Hyperlegible" pitchFamily="2" charset="0"/>
+              </a:rPr>
               <a:t>Gestures</a:t>
             </a:r>
           </a:p>
@@ -4146,7 +4392,7 @@
           </a:bodyPr>
           <a:lstStyle/>
           <a:p>
-            <a:pPr lvl="0" algn="ctr">
+            <a:pPr lvl="0">
               <a:buClr>
                 <a:srgbClr val="003565"/>
               </a:buClr>
@@ -4157,7 +4403,7 @@
                 <a:solidFill>
                   <a:schemeClr val="tx1"/>
                 </a:solidFill>
-                <a:latin typeface="Century Gothic" panose="020B0502020202020204" pitchFamily="34" charset="0"/>
+                <a:latin typeface="Atkinson Hyperlegible" pitchFamily="2" charset="0"/>
                 <a:ea typeface="Ubuntu"/>
                 <a:cs typeface="Ubuntu"/>
                 <a:sym typeface="Ubuntu"/>
@@ -4198,7 +4444,7 @@
           </a:bodyPr>
           <a:lstStyle/>
           <a:p>
-            <a:pPr lvl="0" algn="ctr">
+            <a:pPr lvl="0">
               <a:buClr>
                 <a:srgbClr val="003565"/>
               </a:buClr>
@@ -4209,16 +4455,16 @@
                 <a:solidFill>
                   <a:schemeClr val="tx1"/>
                 </a:solidFill>
-                <a:latin typeface="Century Gothic" panose="020B0502020202020204" pitchFamily="34" charset="0"/>
+                <a:latin typeface="Consolas" panose="020B0609020204030204" pitchFamily="49" charset="0"/>
                 <a:ea typeface="Ubuntu"/>
-                <a:cs typeface="Ubuntu"/>
+                <a:cs typeface="Consolas" panose="020B0609020204030204" pitchFamily="49" charset="0"/>
                 <a:sym typeface="Ubuntu"/>
               </a:rPr>
               <a:t>up</a:t>
             </a:r>
           </a:p>
           <a:p>
-            <a:pPr lvl="0" algn="ctr">
+            <a:pPr lvl="0">
               <a:buClr>
                 <a:srgbClr val="003565"/>
               </a:buClr>
@@ -4229,16 +4475,16 @@
                 <a:solidFill>
                   <a:schemeClr val="tx1"/>
                 </a:solidFill>
-                <a:latin typeface="Century Gothic" panose="020B0502020202020204" pitchFamily="34" charset="0"/>
+                <a:latin typeface="Consolas" panose="020B0609020204030204" pitchFamily="49" charset="0"/>
                 <a:ea typeface="Ubuntu"/>
-                <a:cs typeface="Ubuntu"/>
+                <a:cs typeface="Consolas" panose="020B0609020204030204" pitchFamily="49" charset="0"/>
                 <a:sym typeface="Ubuntu"/>
               </a:rPr>
               <a:t>down</a:t>
             </a:r>
           </a:p>
           <a:p>
-            <a:pPr lvl="0" algn="ctr">
+            <a:pPr lvl="0">
               <a:buClr>
                 <a:srgbClr val="003565"/>
               </a:buClr>
@@ -4249,16 +4495,16 @@
                 <a:solidFill>
                   <a:schemeClr val="tx1"/>
                 </a:solidFill>
-                <a:latin typeface="Century Gothic" panose="020B0502020202020204" pitchFamily="34" charset="0"/>
+                <a:latin typeface="Consolas" panose="020B0609020204030204" pitchFamily="49" charset="0"/>
                 <a:ea typeface="Ubuntu"/>
-                <a:cs typeface="Ubuntu"/>
+                <a:cs typeface="Consolas" panose="020B0609020204030204" pitchFamily="49" charset="0"/>
                 <a:sym typeface="Ubuntu"/>
               </a:rPr>
               <a:t>left</a:t>
             </a:r>
           </a:p>
           <a:p>
-            <a:pPr lvl="0" algn="ctr">
+            <a:pPr lvl="0">
               <a:buClr>
                 <a:srgbClr val="003565"/>
               </a:buClr>
@@ -4269,16 +4515,16 @@
                 <a:solidFill>
                   <a:schemeClr val="tx1"/>
                 </a:solidFill>
-                <a:latin typeface="Century Gothic" panose="020B0502020202020204" pitchFamily="34" charset="0"/>
+                <a:latin typeface="Consolas" panose="020B0609020204030204" pitchFamily="49" charset="0"/>
                 <a:ea typeface="Ubuntu"/>
-                <a:cs typeface="Ubuntu"/>
+                <a:cs typeface="Consolas" panose="020B0609020204030204" pitchFamily="49" charset="0"/>
                 <a:sym typeface="Ubuntu"/>
               </a:rPr>
               <a:t>right</a:t>
             </a:r>
           </a:p>
           <a:p>
-            <a:pPr lvl="0" algn="ctr">
+            <a:pPr lvl="0">
               <a:buClr>
                 <a:srgbClr val="003565"/>
               </a:buClr>
@@ -4289,16 +4535,16 @@
                 <a:solidFill>
                   <a:schemeClr val="tx1"/>
                 </a:solidFill>
-                <a:latin typeface="Century Gothic" panose="020B0502020202020204" pitchFamily="34" charset="0"/>
+                <a:latin typeface="Consolas" panose="020B0609020204030204" pitchFamily="49" charset="0"/>
                 <a:ea typeface="Ubuntu"/>
-                <a:cs typeface="Ubuntu"/>
+                <a:cs typeface="Consolas" panose="020B0609020204030204" pitchFamily="49" charset="0"/>
                 <a:sym typeface="Ubuntu"/>
               </a:rPr>
               <a:t>face up</a:t>
             </a:r>
           </a:p>
           <a:p>
-            <a:pPr lvl="0" algn="ctr">
+            <a:pPr lvl="0">
               <a:buClr>
                 <a:srgbClr val="003565"/>
               </a:buClr>
@@ -4309,16 +4555,16 @@
                 <a:solidFill>
                   <a:schemeClr val="tx1"/>
                 </a:solidFill>
-                <a:latin typeface="Century Gothic" panose="020B0502020202020204" pitchFamily="34" charset="0"/>
+                <a:latin typeface="Consolas" panose="020B0609020204030204" pitchFamily="49" charset="0"/>
                 <a:ea typeface="Ubuntu"/>
-                <a:cs typeface="Ubuntu"/>
+                <a:cs typeface="Consolas" panose="020B0609020204030204" pitchFamily="49" charset="0"/>
                 <a:sym typeface="Ubuntu"/>
               </a:rPr>
               <a:t>face down</a:t>
             </a:r>
           </a:p>
           <a:p>
-            <a:pPr lvl="0" algn="ctr">
+            <a:pPr lvl="0">
               <a:buClr>
                 <a:srgbClr val="003565"/>
               </a:buClr>
@@ -4329,9 +4575,9 @@
                 <a:solidFill>
                   <a:schemeClr val="tx1"/>
                 </a:solidFill>
-                <a:latin typeface="Century Gothic" panose="020B0502020202020204" pitchFamily="34" charset="0"/>
+                <a:latin typeface="Consolas" panose="020B0609020204030204" pitchFamily="49" charset="0"/>
                 <a:ea typeface="Ubuntu"/>
-                <a:cs typeface="Ubuntu"/>
+                <a:cs typeface="Consolas" panose="020B0609020204030204" pitchFamily="49" charset="0"/>
                 <a:sym typeface="Ubuntu"/>
               </a:rPr>
               <a:t>shake</a:t>
@@ -4370,7 +4616,7 @@
           </a:bodyPr>
           <a:lstStyle/>
           <a:p>
-            <a:pPr lvl="0" algn="ctr">
+            <a:pPr lvl="0">
               <a:buClr>
                 <a:srgbClr val="003565"/>
               </a:buClr>
@@ -4381,7 +4627,7 @@
                 <a:solidFill>
                   <a:schemeClr val="tx1"/>
                 </a:solidFill>
-                <a:latin typeface="Century Gothic" panose="020B0502020202020204" pitchFamily="34" charset="0"/>
+                <a:latin typeface="Atkinson Hyperlegible" pitchFamily="2" charset="0"/>
                 <a:ea typeface="Ubuntu"/>
                 <a:cs typeface="Ubuntu"/>
                 <a:sym typeface="Ubuntu"/>
@@ -4446,7 +4692,7 @@
           </a:bodyPr>
           <a:lstStyle/>
           <a:p>
-            <a:pPr lvl="0" algn="ctr">
+            <a:pPr lvl="0">
               <a:buClr>
                 <a:srgbClr val="003565"/>
               </a:buClr>
@@ -4456,7 +4702,7 @@
               <a:solidFill>
                 <a:schemeClr val="tx1"/>
               </a:solidFill>
-              <a:latin typeface="Century Gothic" panose="020B0502020202020204" pitchFamily="34" charset="0"/>
+              <a:latin typeface="Atkinson Hyperlegible" pitchFamily="2" charset="0"/>
               <a:ea typeface="Ubuntu"/>
               <a:cs typeface="Ubuntu"/>
               <a:sym typeface="Ubuntu"/>
@@ -4529,7 +4775,9 @@
               <a:buNone/>
             </a:pPr>
             <a:r>
-              <a:rPr lang="en-GB" dirty="0"/>
+              <a:rPr lang="en-GB" dirty="0">
+                <a:latin typeface="Atkinson Hyperlegible" pitchFamily="2" charset="0"/>
+              </a:rPr>
               <a:t>Activity 4.1</a:t>
             </a:r>
           </a:p>
@@ -4566,7 +4814,7 @@
           </a:bodyPr>
           <a:lstStyle/>
           <a:p>
-            <a:pPr lvl="0" algn="ctr">
+            <a:pPr lvl="0">
               <a:buClr>
                 <a:srgbClr val="003565"/>
               </a:buClr>
@@ -4577,7 +4825,7 @@
                 <a:solidFill>
                   <a:schemeClr val="tx1"/>
                 </a:solidFill>
-                <a:latin typeface="Century Gothic" panose="020B0502020202020204" pitchFamily="34" charset="0"/>
+                <a:latin typeface="Atkinson Hyperlegible" pitchFamily="2" charset="0"/>
                 <a:ea typeface="Ubuntu"/>
                 <a:cs typeface="Ubuntu"/>
                 <a:sym typeface="Ubuntu"/>
@@ -4618,7 +4866,7 @@
           </a:bodyPr>
           <a:lstStyle/>
           <a:p>
-            <a:pPr lvl="0" algn="ctr">
+            <a:pPr lvl="0">
               <a:buClr>
                 <a:srgbClr val="003565"/>
               </a:buClr>
@@ -4629,7 +4877,7 @@
                 <a:solidFill>
                   <a:schemeClr val="tx1"/>
                 </a:solidFill>
-                <a:latin typeface="Century Gothic" panose="020B0502020202020204" pitchFamily="34" charset="0"/>
+                <a:latin typeface="Atkinson Hyperlegible" pitchFamily="2" charset="0"/>
                 <a:ea typeface="Ubuntu"/>
                 <a:cs typeface="Ubuntu"/>
                 <a:sym typeface="Ubuntu"/>
@@ -4694,7 +4942,7 @@
           </a:bodyPr>
           <a:lstStyle/>
           <a:p>
-            <a:pPr lvl="0" algn="ctr">
+            <a:pPr lvl="0">
               <a:buClr>
                 <a:srgbClr val="003565"/>
               </a:buClr>
@@ -4704,7 +4952,7 @@
               <a:solidFill>
                 <a:schemeClr val="tx1"/>
               </a:solidFill>
-              <a:latin typeface="Century Gothic" panose="020B0502020202020204" pitchFamily="34" charset="0"/>
+              <a:latin typeface="Atkinson Hyperlegible" pitchFamily="2" charset="0"/>
               <a:ea typeface="Ubuntu"/>
               <a:cs typeface="Ubuntu"/>
               <a:sym typeface="Ubuntu"/>
@@ -4777,7 +5025,9 @@
               <a:buNone/>
             </a:pPr>
             <a:r>
-              <a:rPr lang="en-GB" dirty="0"/>
+              <a:rPr lang="en-GB" dirty="0">
+                <a:latin typeface="Atkinson Hyperlegible" pitchFamily="2" charset="0"/>
+              </a:rPr>
               <a:t>Activity 4.2</a:t>
             </a:r>
           </a:p>
@@ -4814,7 +5064,7 @@
           </a:bodyPr>
           <a:lstStyle/>
           <a:p>
-            <a:pPr lvl="0" algn="ctr">
+            <a:pPr lvl="0">
               <a:buClr>
                 <a:srgbClr val="003565"/>
               </a:buClr>
@@ -4825,7 +5075,7 @@
                 <a:solidFill>
                   <a:schemeClr val="tx1"/>
                 </a:solidFill>
-                <a:latin typeface="Century Gothic" panose="020B0502020202020204" pitchFamily="34" charset="0"/>
+                <a:latin typeface="Atkinson Hyperlegible" pitchFamily="2" charset="0"/>
                 <a:ea typeface="Ubuntu"/>
                 <a:cs typeface="Ubuntu"/>
                 <a:sym typeface="Ubuntu"/>
@@ -6075,7 +6325,7 @@
                 <a:solidFill>
                   <a:schemeClr val="tx1"/>
                 </a:solidFill>
-                <a:latin typeface="Century Gothic" panose="020B0502020202020204" pitchFamily="34" charset="0"/>
+                <a:latin typeface="Atkinson Hyperlegible" pitchFamily="2" charset="0"/>
                 <a:ea typeface="Ubuntu"/>
                 <a:cs typeface="Ubuntu"/>
                 <a:sym typeface="Ubuntu"/>
@@ -6125,7 +6375,7 @@
                 <a:solidFill>
                   <a:schemeClr val="tx1"/>
                 </a:solidFill>
-                <a:latin typeface="Century Gothic" panose="020B0502020202020204" pitchFamily="34" charset="0"/>
+                <a:latin typeface="Atkinson Hyperlegible" pitchFamily="2" charset="0"/>
                 <a:ea typeface="Ubuntu"/>
                 <a:cs typeface="Ubuntu"/>
                 <a:sym typeface="Ubuntu"/>
@@ -6175,7 +6425,7 @@
                 <a:solidFill>
                   <a:schemeClr val="tx1"/>
                 </a:solidFill>
-                <a:latin typeface="Century Gothic" panose="020B0502020202020204" pitchFamily="34" charset="0"/>
+                <a:latin typeface="Atkinson Hyperlegible" pitchFamily="2" charset="0"/>
                 <a:ea typeface="Ubuntu"/>
                 <a:cs typeface="Ubuntu"/>
                 <a:sym typeface="Ubuntu"/>
@@ -7425,7 +7675,7 @@
                 <a:solidFill>
                   <a:schemeClr val="tx1"/>
                 </a:solidFill>
-                <a:latin typeface="Century Gothic" panose="020B0502020202020204" pitchFamily="34" charset="0"/>
+                <a:latin typeface="Atkinson Hyperlegible" pitchFamily="2" charset="0"/>
                 <a:ea typeface="Ubuntu"/>
                 <a:cs typeface="Ubuntu"/>
                 <a:sym typeface="Ubuntu"/>
@@ -7475,7 +7725,7 @@
                 <a:solidFill>
                   <a:schemeClr val="tx1"/>
                 </a:solidFill>
-                <a:latin typeface="Century Gothic" panose="020B0502020202020204" pitchFamily="34" charset="0"/>
+                <a:latin typeface="Atkinson Hyperlegible" pitchFamily="2" charset="0"/>
                 <a:ea typeface="Ubuntu"/>
                 <a:cs typeface="Ubuntu"/>
                 <a:sym typeface="Ubuntu"/>
@@ -7550,7 +7800,9 @@
               <a:buNone/>
             </a:pPr>
             <a:r>
-              <a:rPr lang="en-GB" dirty="0"/>
+              <a:rPr lang="en-GB" dirty="0">
+                <a:latin typeface="Atkinson Hyperlegible" pitchFamily="2" charset="0"/>
+              </a:rPr>
               <a:t>Activity 4.3</a:t>
             </a:r>
           </a:p>
@@ -7587,7 +7839,7 @@
           </a:bodyPr>
           <a:lstStyle/>
           <a:p>
-            <a:pPr lvl="0" algn="ctr">
+            <a:pPr lvl="0">
               <a:buClr>
                 <a:srgbClr val="003565"/>
               </a:buClr>
@@ -7598,7 +7850,7 @@
                 <a:solidFill>
                   <a:schemeClr val="tx1"/>
                 </a:solidFill>
-                <a:latin typeface="Century Gothic" panose="020B0502020202020204" pitchFamily="34" charset="0"/>
+                <a:latin typeface="Atkinson Hyperlegible" pitchFamily="2" charset="0"/>
                 <a:ea typeface="Ubuntu"/>
                 <a:cs typeface="Ubuntu"/>
                 <a:sym typeface="Ubuntu"/>
@@ -7639,7 +7891,7 @@
           </a:bodyPr>
           <a:lstStyle/>
           <a:p>
-            <a:pPr lvl="0" algn="ctr">
+            <a:pPr lvl="0">
               <a:buClr>
                 <a:srgbClr val="003565"/>
               </a:buClr>
@@ -7650,7 +7902,7 @@
                 <a:solidFill>
                   <a:schemeClr val="tx1"/>
                 </a:solidFill>
-                <a:latin typeface="Century Gothic" panose="020B0502020202020204" pitchFamily="34" charset="0"/>
+                <a:latin typeface="Atkinson Hyperlegible" pitchFamily="2" charset="0"/>
                 <a:ea typeface="Ubuntu"/>
                 <a:cs typeface="Ubuntu"/>
                 <a:sym typeface="Ubuntu"/>
@@ -7691,7 +7943,7 @@
           </a:bodyPr>
           <a:lstStyle/>
           <a:p>
-            <a:pPr lvl="0" algn="ctr">
+            <a:pPr lvl="0">
               <a:buClr>
                 <a:srgbClr val="003565"/>
               </a:buClr>
@@ -7701,7 +7953,7 @@
               <a:solidFill>
                 <a:schemeClr val="tx1"/>
               </a:solidFill>
-              <a:latin typeface="Century Gothic" panose="020B0502020202020204" pitchFamily="34" charset="0"/>
+              <a:latin typeface="Atkinson Hyperlegible" pitchFamily="2" charset="0"/>
               <a:ea typeface="Ubuntu"/>
               <a:cs typeface="Ubuntu"/>
               <a:sym typeface="Ubuntu"/>
@@ -7798,7 +8050,9 @@
               <a:buNone/>
             </a:pPr>
             <a:r>
-              <a:rPr lang="en-GB" dirty="0"/>
+              <a:rPr lang="en-GB" dirty="0">
+                <a:latin typeface="Atkinson Hyperlegible" pitchFamily="2" charset="0"/>
+              </a:rPr>
               <a:t>Accelerometer</a:t>
             </a:r>
           </a:p>
@@ -7835,7 +8089,7 @@
           </a:bodyPr>
           <a:lstStyle/>
           <a:p>
-            <a:pPr lvl="0" algn="ctr">
+            <a:pPr lvl="0">
               <a:buClr>
                 <a:srgbClr val="003565"/>
               </a:buClr>
@@ -7846,7 +8100,7 @@
                 <a:solidFill>
                   <a:schemeClr val="tx1"/>
                 </a:solidFill>
-                <a:latin typeface="Century Gothic" panose="020B0502020202020204" pitchFamily="34" charset="0"/>
+                <a:latin typeface="Atkinson Hyperlegible" pitchFamily="2" charset="0"/>
                 <a:ea typeface="Ubuntu"/>
                 <a:cs typeface="Ubuntu"/>
                 <a:sym typeface="Ubuntu"/>
@@ -7887,7 +8141,7 @@
           </a:bodyPr>
           <a:lstStyle/>
           <a:p>
-            <a:pPr lvl="0" algn="ctr">
+            <a:pPr lvl="0">
               <a:buClr>
                 <a:srgbClr val="003565"/>
               </a:buClr>
@@ -7898,7 +8152,7 @@
                 <a:solidFill>
                   <a:schemeClr val="tx1"/>
                 </a:solidFill>
-                <a:latin typeface="Century Gothic" panose="020B0502020202020204" pitchFamily="34" charset="0"/>
+                <a:latin typeface="Atkinson Hyperlegible" pitchFamily="2" charset="0"/>
                 <a:ea typeface="Ubuntu"/>
                 <a:cs typeface="Ubuntu"/>
                 <a:sym typeface="Ubuntu"/>
@@ -7907,7 +8161,7 @@
             </a:r>
           </a:p>
           <a:p>
-            <a:pPr lvl="0" algn="ctr">
+            <a:pPr lvl="0">
               <a:buClr>
                 <a:srgbClr val="003565"/>
               </a:buClr>
@@ -7918,7 +8172,7 @@
                 <a:solidFill>
                   <a:schemeClr val="tx1"/>
                 </a:solidFill>
-                <a:latin typeface="Century Gothic" panose="020B0502020202020204" pitchFamily="34" charset="0"/>
+                <a:latin typeface="Atkinson Hyperlegible" pitchFamily="2" charset="0"/>
                 <a:ea typeface="Ubuntu"/>
                 <a:cs typeface="Ubuntu"/>
                 <a:sym typeface="Ubuntu"/>
@@ -7927,7 +8181,7 @@
             </a:r>
           </a:p>
           <a:p>
-            <a:pPr lvl="0" algn="ctr">
+            <a:pPr lvl="0">
               <a:buClr>
                 <a:srgbClr val="003565"/>
               </a:buClr>
@@ -7938,7 +8192,7 @@
                 <a:solidFill>
                   <a:schemeClr val="tx1"/>
                 </a:solidFill>
-                <a:latin typeface="Century Gothic" panose="020B0502020202020204" pitchFamily="34" charset="0"/>
+                <a:latin typeface="Atkinson Hyperlegible" pitchFamily="2" charset="0"/>
                 <a:ea typeface="Ubuntu"/>
                 <a:cs typeface="Ubuntu"/>
                 <a:sym typeface="Ubuntu"/>
@@ -7979,7 +8233,7 @@
           </a:bodyPr>
           <a:lstStyle/>
           <a:p>
-            <a:pPr lvl="0" algn="ctr">
+            <a:pPr lvl="0">
               <a:buClr>
                 <a:srgbClr val="003565"/>
               </a:buClr>
@@ -7990,7 +8244,7 @@
                 <a:solidFill>
                   <a:schemeClr val="tx1"/>
                 </a:solidFill>
-                <a:latin typeface="Century Gothic" panose="020B0502020202020204" pitchFamily="34" charset="0"/>
+                <a:latin typeface="Atkinson Hyperlegible" pitchFamily="2" charset="0"/>
                 <a:ea typeface="Ubuntu"/>
                 <a:cs typeface="Ubuntu"/>
                 <a:sym typeface="Ubuntu"/>
@@ -8055,7 +8309,7 @@
           </a:bodyPr>
           <a:lstStyle/>
           <a:p>
-            <a:pPr lvl="0" algn="ctr">
+            <a:pPr lvl="0">
               <a:buClr>
                 <a:srgbClr val="003565"/>
               </a:buClr>
@@ -8066,7 +8320,7 @@
                 <a:solidFill>
                   <a:schemeClr val="tx1"/>
                 </a:solidFill>
-                <a:latin typeface="Century Gothic" panose="020B0502020202020204" pitchFamily="34" charset="0"/>
+                <a:latin typeface="Atkinson Hyperlegible" pitchFamily="2" charset="0"/>
                 <a:ea typeface="Ubuntu"/>
                 <a:cs typeface="Ubuntu"/>
                 <a:sym typeface="Ubuntu"/>
@@ -8107,7 +8361,7 @@
           </a:bodyPr>
           <a:lstStyle/>
           <a:p>
-            <a:pPr lvl="0" algn="ctr">
+            <a:pPr lvl="0">
               <a:buClr>
                 <a:srgbClr val="003565"/>
               </a:buClr>
@@ -8117,7 +8371,7 @@
               <a:solidFill>
                 <a:schemeClr val="tx1"/>
               </a:solidFill>
-              <a:latin typeface="Century Gothic" panose="020B0502020202020204" pitchFamily="34" charset="0"/>
+              <a:latin typeface="Atkinson Hyperlegible" pitchFamily="2" charset="0"/>
               <a:ea typeface="Ubuntu"/>
               <a:cs typeface="Ubuntu"/>
               <a:sym typeface="Ubuntu"/>
@@ -8156,7 +8410,7 @@
           </a:bodyPr>
           <a:lstStyle/>
           <a:p>
-            <a:pPr lvl="0" algn="ctr">
+            <a:pPr lvl="0">
               <a:buClr>
                 <a:srgbClr val="003565"/>
               </a:buClr>
@@ -8167,7 +8421,7 @@
                 <a:solidFill>
                   <a:schemeClr val="tx1"/>
                 </a:solidFill>
-                <a:latin typeface="Century Gothic" panose="020B0502020202020204" pitchFamily="34" charset="0"/>
+                <a:latin typeface="Atkinson Hyperlegible" pitchFamily="2" charset="0"/>
                 <a:ea typeface="Ubuntu"/>
                 <a:cs typeface="Ubuntu"/>
                 <a:sym typeface="Ubuntu"/>
@@ -8242,7 +8496,9 @@
               <a:buNone/>
             </a:pPr>
             <a:r>
-              <a:rPr lang="en-GB" dirty="0"/>
+              <a:rPr lang="en-GB" dirty="0">
+                <a:latin typeface="Atkinson Hyperlegible" pitchFamily="2" charset="0"/>
+              </a:rPr>
               <a:t>Running Time</a:t>
             </a:r>
           </a:p>
@@ -8279,7 +8535,7 @@
           </a:bodyPr>
           <a:lstStyle/>
           <a:p>
-            <a:pPr lvl="0" algn="ctr">
+            <a:pPr lvl="0">
               <a:buClr>
                 <a:srgbClr val="003565"/>
               </a:buClr>
@@ -8290,7 +8546,7 @@
                 <a:solidFill>
                   <a:schemeClr val="tx1"/>
                 </a:solidFill>
-                <a:latin typeface="Century Gothic" panose="020B0502020202020204" pitchFamily="34" charset="0"/>
+                <a:latin typeface="Atkinson Hyperlegible" pitchFamily="2" charset="0"/>
                 <a:ea typeface="Ubuntu"/>
                 <a:cs typeface="Ubuntu"/>
                 <a:sym typeface="Ubuntu"/>
@@ -8331,7 +8587,7 @@
           </a:bodyPr>
           <a:lstStyle/>
           <a:p>
-            <a:pPr lvl="0" algn="ctr">
+            <a:pPr lvl="0">
               <a:buClr>
                 <a:srgbClr val="003565"/>
               </a:buClr>
@@ -8342,7 +8598,7 @@
                 <a:solidFill>
                   <a:schemeClr val="tx1"/>
                 </a:solidFill>
-                <a:latin typeface="Century Gothic" panose="020B0502020202020204" pitchFamily="34" charset="0"/>
+                <a:latin typeface="Atkinson Hyperlegible" pitchFamily="2" charset="0"/>
                 <a:ea typeface="Ubuntu"/>
                 <a:cs typeface="Ubuntu"/>
                 <a:sym typeface="Ubuntu"/>
@@ -8383,7 +8639,7 @@
           </a:bodyPr>
           <a:lstStyle/>
           <a:p>
-            <a:pPr lvl="0" algn="ctr">
+            <a:pPr lvl="0">
               <a:buClr>
                 <a:srgbClr val="003565"/>
               </a:buClr>
@@ -8394,7 +8650,7 @@
                 <a:solidFill>
                   <a:schemeClr val="tx1"/>
                 </a:solidFill>
-                <a:latin typeface="Century Gothic" panose="020B0502020202020204" pitchFamily="34" charset="0"/>
+                <a:latin typeface="Atkinson Hyperlegible" pitchFamily="2" charset="0"/>
                 <a:ea typeface="Ubuntu"/>
                 <a:cs typeface="Ubuntu"/>
                 <a:sym typeface="Ubuntu"/>
@@ -8435,7 +8691,7 @@
           </a:bodyPr>
           <a:lstStyle/>
           <a:p>
-            <a:pPr lvl="0" algn="ctr">
+            <a:pPr lvl="0">
               <a:buClr>
                 <a:srgbClr val="003565"/>
               </a:buClr>
@@ -8445,7 +8701,7 @@
               <a:solidFill>
                 <a:schemeClr val="tx1"/>
               </a:solidFill>
-              <a:latin typeface="Century Gothic" panose="020B0502020202020204" pitchFamily="34" charset="0"/>
+              <a:latin typeface="Atkinson Hyperlegible" pitchFamily="2" charset="0"/>
               <a:ea typeface="Ubuntu"/>
               <a:cs typeface="Ubuntu"/>
               <a:sym typeface="Ubuntu"/>
@@ -8484,7 +8740,7 @@
           </a:bodyPr>
           <a:lstStyle/>
           <a:p>
-            <a:pPr lvl="0" algn="ctr">
+            <a:pPr lvl="0">
               <a:buClr>
                 <a:srgbClr val="003565"/>
               </a:buClr>
@@ -8495,7 +8751,7 @@
                 <a:solidFill>
                   <a:schemeClr val="tx1"/>
                 </a:solidFill>
-                <a:latin typeface="Century Gothic" panose="020B0502020202020204" pitchFamily="34" charset="0"/>
+                <a:latin typeface="Atkinson Hyperlegible" pitchFamily="2" charset="0"/>
                 <a:ea typeface="Ubuntu"/>
                 <a:cs typeface="Ubuntu"/>
                 <a:sym typeface="Ubuntu"/>
@@ -8594,7 +8850,9 @@
               <a:buNone/>
             </a:pPr>
             <a:r>
-              <a:rPr lang="en-GB" dirty="0"/>
+              <a:rPr lang="en-GB" dirty="0">
+                <a:latin typeface="Atkinson Hyperlegible" pitchFamily="2" charset="0"/>
+              </a:rPr>
               <a:t>Activity 4.4</a:t>
             </a:r>
           </a:p>
@@ -8631,7 +8889,7 @@
           </a:bodyPr>
           <a:lstStyle/>
           <a:p>
-            <a:pPr lvl="0" algn="ctr">
+            <a:pPr lvl="0">
               <a:buClr>
                 <a:srgbClr val="003565"/>
               </a:buClr>
@@ -8642,7 +8900,7 @@
                 <a:solidFill>
                   <a:schemeClr val="tx1"/>
                 </a:solidFill>
-                <a:latin typeface="Century Gothic" panose="020B0502020202020204" pitchFamily="34" charset="0"/>
+                <a:latin typeface="Atkinson Hyperlegible" pitchFamily="2" charset="0"/>
                 <a:ea typeface="Ubuntu"/>
                 <a:cs typeface="Ubuntu"/>
                 <a:sym typeface="Ubuntu"/>
@@ -8707,7 +8965,7 @@
           </a:bodyPr>
           <a:lstStyle/>
           <a:p>
-            <a:pPr lvl="0" algn="ctr">
+            <a:pPr lvl="0">
               <a:buClr>
                 <a:srgbClr val="003565"/>
               </a:buClr>
@@ -8718,7 +8976,7 @@
                 <a:solidFill>
                   <a:schemeClr val="tx1"/>
                 </a:solidFill>
-                <a:latin typeface="Century Gothic" panose="020B0502020202020204" pitchFamily="34" charset="0"/>
+                <a:latin typeface="Atkinson Hyperlegible" pitchFamily="2" charset="0"/>
                 <a:ea typeface="Ubuntu"/>
                 <a:cs typeface="Ubuntu"/>
                 <a:sym typeface="Ubuntu"/>
@@ -8759,7 +9017,7 @@
           </a:bodyPr>
           <a:lstStyle/>
           <a:p>
-            <a:pPr lvl="0" algn="ctr">
+            <a:pPr lvl="0">
               <a:buClr>
                 <a:srgbClr val="003565"/>
               </a:buClr>
@@ -8769,7 +9027,7 @@
               <a:solidFill>
                 <a:schemeClr val="tx1"/>
               </a:solidFill>
-              <a:latin typeface="Century Gothic" panose="020B0502020202020204" pitchFamily="34" charset="0"/>
+              <a:latin typeface="Atkinson Hyperlegible" pitchFamily="2" charset="0"/>
               <a:ea typeface="Ubuntu"/>
               <a:cs typeface="Ubuntu"/>
               <a:sym typeface="Ubuntu"/>
@@ -8842,7 +9100,9 @@
               <a:buNone/>
             </a:pPr>
             <a:r>
-              <a:rPr lang="en-GB" dirty="0"/>
+              <a:rPr lang="en-GB" dirty="0">
+                <a:latin typeface="Atkinson Hyperlegible" pitchFamily="2" charset="0"/>
+              </a:rPr>
               <a:t>Extension</a:t>
             </a:r>
           </a:p>
@@ -8879,7 +9139,7 @@
           </a:bodyPr>
           <a:lstStyle/>
           <a:p>
-            <a:pPr lvl="0" algn="ctr">
+            <a:pPr lvl="0">
               <a:buClr>
                 <a:srgbClr val="003565"/>
               </a:buClr>
@@ -8890,7 +9150,7 @@
                 <a:solidFill>
                   <a:schemeClr val="tx1"/>
                 </a:solidFill>
-                <a:latin typeface="Century Gothic" panose="020B0502020202020204" pitchFamily="34" charset="0"/>
+                <a:latin typeface="Atkinson Hyperlegible" pitchFamily="2" charset="0"/>
                 <a:ea typeface="Ubuntu"/>
                 <a:cs typeface="Ubuntu"/>
                 <a:sym typeface="Ubuntu"/>
@@ -8931,7 +9191,7 @@
           </a:bodyPr>
           <a:lstStyle/>
           <a:p>
-            <a:pPr lvl="0" algn="ctr">
+            <a:pPr lvl="0">
               <a:buClr>
                 <a:srgbClr val="003565"/>
               </a:buClr>
@@ -8942,7 +9202,7 @@
                 <a:solidFill>
                   <a:schemeClr val="tx1"/>
                 </a:solidFill>
-                <a:latin typeface="Century Gothic" panose="020B0502020202020204" pitchFamily="34" charset="0"/>
+                <a:latin typeface="Atkinson Hyperlegible" pitchFamily="2" charset="0"/>
                 <a:ea typeface="Ubuntu"/>
                 <a:cs typeface="Ubuntu"/>
                 <a:sym typeface="Ubuntu"/>
